--- a/기획서/윈플 발표 ppt.pptx
+++ b/기획서/윈플 발표 ppt.pptx
@@ -113,7 +113,7 @@
   </p:defaultTextStyle>
   <p:extLst>
     <p:ext uri="{EFAFB233-063F-42B5-8137-9DF3F51BA10A}">
-      <p15:sldGuideLst xmlns:p15="http://schemas.microsoft.com/office/powerpoint/2012/main" xmlns=""/>
+      <p15:sldGuideLst xmlns="" xmlns:p15="http://schemas.microsoft.com/office/powerpoint/2012/main"/>
     </p:ext>
   </p:extLst>
 </p:presentation>
@@ -221,7 +221,7 @@
           <p:cNvPr id="2" name="제목 1">
             <a:extLst>
               <a:ext uri="{FF2B5EF4-FFF2-40B4-BE49-F238E27FC236}">
-                <a16:creationId xmlns:a16="http://schemas.microsoft.com/office/drawing/2014/main" xmlns="" id="{BC4B5A23-C81F-4AF5-A748-1D1EE93505F9}"/>
+                <a16:creationId xmlns="" xmlns:a16="http://schemas.microsoft.com/office/drawing/2014/main" id="{BC4B5A23-C81F-4AF5-A748-1D1EE93505F9}"/>
               </a:ext>
             </a:extLst>
           </p:cNvPr>
@@ -258,7 +258,7 @@
           <p:cNvPr id="3" name="부제목 2">
             <a:extLst>
               <a:ext uri="{FF2B5EF4-FFF2-40B4-BE49-F238E27FC236}">
-                <a16:creationId xmlns:a16="http://schemas.microsoft.com/office/drawing/2014/main" xmlns="" id="{26F8B85E-9692-4475-9B5C-3E3DB5D88828}"/>
+                <a16:creationId xmlns="" xmlns:a16="http://schemas.microsoft.com/office/drawing/2014/main" id="{26F8B85E-9692-4475-9B5C-3E3DB5D88828}"/>
               </a:ext>
             </a:extLst>
           </p:cNvPr>
@@ -328,7 +328,7 @@
           <p:cNvPr id="4" name="날짜 개체 틀 3">
             <a:extLst>
               <a:ext uri="{FF2B5EF4-FFF2-40B4-BE49-F238E27FC236}">
-                <a16:creationId xmlns:a16="http://schemas.microsoft.com/office/drawing/2014/main" xmlns="" id="{BC005B73-604A-4AB5-8137-DDC71FB7678B}"/>
+                <a16:creationId xmlns="" xmlns:a16="http://schemas.microsoft.com/office/drawing/2014/main" id="{BC005B73-604A-4AB5-8137-DDC71FB7678B}"/>
               </a:ext>
             </a:extLst>
           </p:cNvPr>
@@ -370,7 +370,7 @@
           <p:cNvPr id="5" name="바닥글 개체 틀 4">
             <a:extLst>
               <a:ext uri="{FF2B5EF4-FFF2-40B4-BE49-F238E27FC236}">
-                <a16:creationId xmlns:a16="http://schemas.microsoft.com/office/drawing/2014/main" xmlns="" id="{D657B5ED-EDEA-4726-A63A-ABCD88DDA24F}"/>
+                <a16:creationId xmlns="" xmlns:a16="http://schemas.microsoft.com/office/drawing/2014/main" id="{D657B5ED-EDEA-4726-A63A-ABCD88DDA24F}"/>
               </a:ext>
             </a:extLst>
           </p:cNvPr>
@@ -401,7 +401,7 @@
           <p:cNvPr id="6" name="슬라이드 번호 개체 틀 5">
             <a:extLst>
               <a:ext uri="{FF2B5EF4-FFF2-40B4-BE49-F238E27FC236}">
-                <a16:creationId xmlns:a16="http://schemas.microsoft.com/office/drawing/2014/main" xmlns="" id="{EE561B83-F1A6-46DA-BD34-3B375CB3487C}"/>
+                <a16:creationId xmlns="" xmlns:a16="http://schemas.microsoft.com/office/drawing/2014/main" id="{EE561B83-F1A6-46DA-BD34-3B375CB3487C}"/>
               </a:ext>
             </a:extLst>
           </p:cNvPr>
@@ -457,7 +457,7 @@
             <p:cNvPr id="9" name="자유형: 도형 14">
               <a:extLst>
                 <a:ext uri="{FF2B5EF4-FFF2-40B4-BE49-F238E27FC236}">
-                  <a16:creationId xmlns:a16="http://schemas.microsoft.com/office/drawing/2014/main" xmlns="" id="{D176D53E-40CE-47FC-AD0C-F76E144A7342}"/>
+                  <a16:creationId xmlns="" xmlns:a16="http://schemas.microsoft.com/office/drawing/2014/main" id="{D176D53E-40CE-47FC-AD0C-F76E144A7342}"/>
                 </a:ext>
               </a:extLst>
             </p:cNvPr>
@@ -734,7 +734,7 @@
             <p:cNvPr id="10" name="자유형: 도형 15">
               <a:extLst>
                 <a:ext uri="{FF2B5EF4-FFF2-40B4-BE49-F238E27FC236}">
-                  <a16:creationId xmlns:a16="http://schemas.microsoft.com/office/drawing/2014/main" xmlns="" id="{4E7E9768-44E0-4338-8802-AF2C4390CE75}"/>
+                  <a16:creationId xmlns="" xmlns:a16="http://schemas.microsoft.com/office/drawing/2014/main" id="{4E7E9768-44E0-4338-8802-AF2C4390CE75}"/>
                 </a:ext>
               </a:extLst>
             </p:cNvPr>
@@ -1051,7 +1051,7 @@
           <p:cNvPr id="2" name="제목 1">
             <a:extLst>
               <a:ext uri="{FF2B5EF4-FFF2-40B4-BE49-F238E27FC236}">
-                <a16:creationId xmlns:a16="http://schemas.microsoft.com/office/drawing/2014/main" xmlns="" id="{39E36BD6-A4CF-4B25-AB1E-51253291E2B4}"/>
+                <a16:creationId xmlns="" xmlns:a16="http://schemas.microsoft.com/office/drawing/2014/main" id="{39E36BD6-A4CF-4B25-AB1E-51253291E2B4}"/>
               </a:ext>
             </a:extLst>
           </p:cNvPr>
@@ -1079,7 +1079,7 @@
           <p:cNvPr id="3" name="세로 텍스트 개체 틀 2">
             <a:extLst>
               <a:ext uri="{FF2B5EF4-FFF2-40B4-BE49-F238E27FC236}">
-                <a16:creationId xmlns:a16="http://schemas.microsoft.com/office/drawing/2014/main" xmlns="" id="{8749623F-E56B-4F2D-8C1B-7FE5A6708872}"/>
+                <a16:creationId xmlns="" xmlns:a16="http://schemas.microsoft.com/office/drawing/2014/main" id="{8749623F-E56B-4F2D-8C1B-7FE5A6708872}"/>
               </a:ext>
             </a:extLst>
           </p:cNvPr>
@@ -1136,7 +1136,7 @@
           <p:cNvPr id="4" name="날짜 개체 틀 3">
             <a:extLst>
               <a:ext uri="{FF2B5EF4-FFF2-40B4-BE49-F238E27FC236}">
-                <a16:creationId xmlns:a16="http://schemas.microsoft.com/office/drawing/2014/main" xmlns="" id="{638878DC-1F89-454E-8C22-21927454BB66}"/>
+                <a16:creationId xmlns="" xmlns:a16="http://schemas.microsoft.com/office/drawing/2014/main" id="{638878DC-1F89-454E-8C22-21927454BB66}"/>
               </a:ext>
             </a:extLst>
           </p:cNvPr>
@@ -1161,7 +1161,7 @@
                 </a:solidFill>
               </a:rPr>
               <a:pPr/>
-              <a:t>2019-06-11</a:t>
+              <a:t>2019-06-12</a:t>
             </a:fld>
             <a:endParaRPr lang="ko-KR" altLang="en-US">
               <a:solidFill>
@@ -1178,7 +1178,7 @@
           <p:cNvPr id="5" name="바닥글 개체 틀 4">
             <a:extLst>
               <a:ext uri="{FF2B5EF4-FFF2-40B4-BE49-F238E27FC236}">
-                <a16:creationId xmlns:a16="http://schemas.microsoft.com/office/drawing/2014/main" xmlns="" id="{A9C32D40-FC59-4599-8DB0-4EDB55159969}"/>
+                <a16:creationId xmlns="" xmlns:a16="http://schemas.microsoft.com/office/drawing/2014/main" id="{A9C32D40-FC59-4599-8DB0-4EDB55159969}"/>
               </a:ext>
             </a:extLst>
           </p:cNvPr>
@@ -1209,7 +1209,7 @@
           <p:cNvPr id="6" name="슬라이드 번호 개체 틀 5">
             <a:extLst>
               <a:ext uri="{FF2B5EF4-FFF2-40B4-BE49-F238E27FC236}">
-                <a16:creationId xmlns:a16="http://schemas.microsoft.com/office/drawing/2014/main" xmlns="" id="{C4BECE70-0B94-4918-8A6B-CE318F78DB6B}"/>
+                <a16:creationId xmlns="" xmlns:a16="http://schemas.microsoft.com/office/drawing/2014/main" id="{C4BECE70-0B94-4918-8A6B-CE318F78DB6B}"/>
               </a:ext>
             </a:extLst>
           </p:cNvPr>
@@ -1281,7 +1281,7 @@
           <p:cNvPr id="2" name="세로 제목 1">
             <a:extLst>
               <a:ext uri="{FF2B5EF4-FFF2-40B4-BE49-F238E27FC236}">
-                <a16:creationId xmlns:a16="http://schemas.microsoft.com/office/drawing/2014/main" xmlns="" id="{1CC509A6-106F-4F30-B678-2B05478C05AD}"/>
+                <a16:creationId xmlns="" xmlns:a16="http://schemas.microsoft.com/office/drawing/2014/main" id="{1CC509A6-106F-4F30-B678-2B05478C05AD}"/>
               </a:ext>
             </a:extLst>
           </p:cNvPr>
@@ -1314,7 +1314,7 @@
           <p:cNvPr id="3" name="세로 텍스트 개체 틀 2">
             <a:extLst>
               <a:ext uri="{FF2B5EF4-FFF2-40B4-BE49-F238E27FC236}">
-                <a16:creationId xmlns:a16="http://schemas.microsoft.com/office/drawing/2014/main" xmlns="" id="{4728D6E4-1D89-4B38-BBBD-0F051698128F}"/>
+                <a16:creationId xmlns="" xmlns:a16="http://schemas.microsoft.com/office/drawing/2014/main" id="{4728D6E4-1D89-4B38-BBBD-0F051698128F}"/>
               </a:ext>
             </a:extLst>
           </p:cNvPr>
@@ -1376,7 +1376,7 @@
           <p:cNvPr id="4" name="날짜 개체 틀 3">
             <a:extLst>
               <a:ext uri="{FF2B5EF4-FFF2-40B4-BE49-F238E27FC236}">
-                <a16:creationId xmlns:a16="http://schemas.microsoft.com/office/drawing/2014/main" xmlns="" id="{5C995D7F-87F4-4EAE-B067-A371E5D3C9ED}"/>
+                <a16:creationId xmlns="" xmlns:a16="http://schemas.microsoft.com/office/drawing/2014/main" id="{5C995D7F-87F4-4EAE-B067-A371E5D3C9ED}"/>
               </a:ext>
             </a:extLst>
           </p:cNvPr>
@@ -1401,7 +1401,7 @@
                 </a:solidFill>
               </a:rPr>
               <a:pPr/>
-              <a:t>2019-06-11</a:t>
+              <a:t>2019-06-12</a:t>
             </a:fld>
             <a:endParaRPr lang="ko-KR" altLang="en-US">
               <a:solidFill>
@@ -1418,7 +1418,7 @@
           <p:cNvPr id="5" name="바닥글 개체 틀 4">
             <a:extLst>
               <a:ext uri="{FF2B5EF4-FFF2-40B4-BE49-F238E27FC236}">
-                <a16:creationId xmlns:a16="http://schemas.microsoft.com/office/drawing/2014/main" xmlns="" id="{B56F322D-4B78-410F-883C-30640F0A1B9B}"/>
+                <a16:creationId xmlns="" xmlns:a16="http://schemas.microsoft.com/office/drawing/2014/main" id="{B56F322D-4B78-410F-883C-30640F0A1B9B}"/>
               </a:ext>
             </a:extLst>
           </p:cNvPr>
@@ -1449,7 +1449,7 @@
           <p:cNvPr id="6" name="슬라이드 번호 개체 틀 5">
             <a:extLst>
               <a:ext uri="{FF2B5EF4-FFF2-40B4-BE49-F238E27FC236}">
-                <a16:creationId xmlns:a16="http://schemas.microsoft.com/office/drawing/2014/main" xmlns="" id="{D8A676F9-DE6E-4CF9-8A5F-C636669B6A79}"/>
+                <a16:creationId xmlns="" xmlns:a16="http://schemas.microsoft.com/office/drawing/2014/main" id="{D8A676F9-DE6E-4CF9-8A5F-C636669B6A79}"/>
               </a:ext>
             </a:extLst>
           </p:cNvPr>
@@ -1567,7 +1567,7 @@
           <p:cNvPr id="2" name="제목 1">
             <a:extLst>
               <a:ext uri="{FF2B5EF4-FFF2-40B4-BE49-F238E27FC236}">
-                <a16:creationId xmlns:a16="http://schemas.microsoft.com/office/drawing/2014/main" xmlns="" id="{F2AFF599-F9A5-411F-BFB9-C4FB2A3A31B1}"/>
+                <a16:creationId xmlns="" xmlns:a16="http://schemas.microsoft.com/office/drawing/2014/main" id="{F2AFF599-F9A5-411F-BFB9-C4FB2A3A31B1}"/>
               </a:ext>
             </a:extLst>
           </p:cNvPr>
@@ -1595,7 +1595,7 @@
           <p:cNvPr id="3" name="내용 개체 틀 2">
             <a:extLst>
               <a:ext uri="{FF2B5EF4-FFF2-40B4-BE49-F238E27FC236}">
-                <a16:creationId xmlns:a16="http://schemas.microsoft.com/office/drawing/2014/main" xmlns="" id="{193CECED-CCAF-4DDD-B539-F3AF15540E07}"/>
+                <a16:creationId xmlns="" xmlns:a16="http://schemas.microsoft.com/office/drawing/2014/main" id="{193CECED-CCAF-4DDD-B539-F3AF15540E07}"/>
               </a:ext>
             </a:extLst>
           </p:cNvPr>
@@ -1652,7 +1652,7 @@
           <p:cNvPr id="4" name="날짜 개체 틀 3">
             <a:extLst>
               <a:ext uri="{FF2B5EF4-FFF2-40B4-BE49-F238E27FC236}">
-                <a16:creationId xmlns:a16="http://schemas.microsoft.com/office/drawing/2014/main" xmlns="" id="{BC0C8BE3-B2E2-4859-8481-2ADA01A44F0B}"/>
+                <a16:creationId xmlns="" xmlns:a16="http://schemas.microsoft.com/office/drawing/2014/main" id="{BC0C8BE3-B2E2-4859-8481-2ADA01A44F0B}"/>
               </a:ext>
             </a:extLst>
           </p:cNvPr>
@@ -1694,7 +1694,7 @@
           <p:cNvPr id="5" name="바닥글 개체 틀 4">
             <a:extLst>
               <a:ext uri="{FF2B5EF4-FFF2-40B4-BE49-F238E27FC236}">
-                <a16:creationId xmlns:a16="http://schemas.microsoft.com/office/drawing/2014/main" xmlns="" id="{288CDC39-E89C-42A8-9B52-C7D6DAC2A6DF}"/>
+                <a16:creationId xmlns="" xmlns:a16="http://schemas.microsoft.com/office/drawing/2014/main" id="{288CDC39-E89C-42A8-9B52-C7D6DAC2A6DF}"/>
               </a:ext>
             </a:extLst>
           </p:cNvPr>
@@ -1725,7 +1725,7 @@
           <p:cNvPr id="6" name="슬라이드 번호 개체 틀 5">
             <a:extLst>
               <a:ext uri="{FF2B5EF4-FFF2-40B4-BE49-F238E27FC236}">
-                <a16:creationId xmlns:a16="http://schemas.microsoft.com/office/drawing/2014/main" xmlns="" id="{E1B28C08-4C0A-48B8-A2D2-41A018AB93AC}"/>
+                <a16:creationId xmlns="" xmlns:a16="http://schemas.microsoft.com/office/drawing/2014/main" id="{E1B28C08-4C0A-48B8-A2D2-41A018AB93AC}"/>
               </a:ext>
             </a:extLst>
           </p:cNvPr>
@@ -1884,7 +1884,7 @@
           <p:cNvPr id="2" name="제목 1">
             <a:extLst>
               <a:ext uri="{FF2B5EF4-FFF2-40B4-BE49-F238E27FC236}">
-                <a16:creationId xmlns:a16="http://schemas.microsoft.com/office/drawing/2014/main" xmlns="" id="{CB24B900-D8B5-4B2F-9A9B-DAFD43923849}"/>
+                <a16:creationId xmlns="" xmlns:a16="http://schemas.microsoft.com/office/drawing/2014/main" id="{CB24B900-D8B5-4B2F-9A9B-DAFD43923849}"/>
               </a:ext>
             </a:extLst>
           </p:cNvPr>
@@ -1921,7 +1921,7 @@
           <p:cNvPr id="3" name="텍스트 개체 틀 2">
             <a:extLst>
               <a:ext uri="{FF2B5EF4-FFF2-40B4-BE49-F238E27FC236}">
-                <a16:creationId xmlns:a16="http://schemas.microsoft.com/office/drawing/2014/main" xmlns="" id="{46D0AAEF-5449-4C97-B530-902BE63F1B9A}"/>
+                <a16:creationId xmlns="" xmlns:a16="http://schemas.microsoft.com/office/drawing/2014/main" id="{46D0AAEF-5449-4C97-B530-902BE63F1B9A}"/>
               </a:ext>
             </a:extLst>
           </p:cNvPr>
@@ -2046,7 +2046,7 @@
           <p:cNvPr id="4" name="날짜 개체 틀 3">
             <a:extLst>
               <a:ext uri="{FF2B5EF4-FFF2-40B4-BE49-F238E27FC236}">
-                <a16:creationId xmlns:a16="http://schemas.microsoft.com/office/drawing/2014/main" xmlns="" id="{598CE2F0-2D83-432D-AAAB-53B7BDADB673}"/>
+                <a16:creationId xmlns="" xmlns:a16="http://schemas.microsoft.com/office/drawing/2014/main" id="{598CE2F0-2D83-432D-AAAB-53B7BDADB673}"/>
               </a:ext>
             </a:extLst>
           </p:cNvPr>
@@ -2071,7 +2071,7 @@
                 </a:solidFill>
               </a:rPr>
               <a:pPr/>
-              <a:t>2019-06-11</a:t>
+              <a:t>2019-06-12</a:t>
             </a:fld>
             <a:endParaRPr lang="ko-KR" altLang="en-US">
               <a:solidFill>
@@ -2088,7 +2088,7 @@
           <p:cNvPr id="5" name="바닥글 개체 틀 4">
             <a:extLst>
               <a:ext uri="{FF2B5EF4-FFF2-40B4-BE49-F238E27FC236}">
-                <a16:creationId xmlns:a16="http://schemas.microsoft.com/office/drawing/2014/main" xmlns="" id="{F14A1FD5-451B-4844-91B8-CAAD1300221D}"/>
+                <a16:creationId xmlns="" xmlns:a16="http://schemas.microsoft.com/office/drawing/2014/main" id="{F14A1FD5-451B-4844-91B8-CAAD1300221D}"/>
               </a:ext>
             </a:extLst>
           </p:cNvPr>
@@ -2119,7 +2119,7 @@
           <p:cNvPr id="6" name="슬라이드 번호 개체 틀 5">
             <a:extLst>
               <a:ext uri="{FF2B5EF4-FFF2-40B4-BE49-F238E27FC236}">
-                <a16:creationId xmlns:a16="http://schemas.microsoft.com/office/drawing/2014/main" xmlns="" id="{DC4FCB56-5F29-4966-828B-6F12C897F578}"/>
+                <a16:creationId xmlns="" xmlns:a16="http://schemas.microsoft.com/office/drawing/2014/main" id="{DC4FCB56-5F29-4966-828B-6F12C897F578}"/>
               </a:ext>
             </a:extLst>
           </p:cNvPr>
@@ -2191,7 +2191,7 @@
           <p:cNvPr id="2" name="제목 1">
             <a:extLst>
               <a:ext uri="{FF2B5EF4-FFF2-40B4-BE49-F238E27FC236}">
-                <a16:creationId xmlns:a16="http://schemas.microsoft.com/office/drawing/2014/main" xmlns="" id="{07A8BCA9-CCD6-4662-A75A-29683674065D}"/>
+                <a16:creationId xmlns="" xmlns:a16="http://schemas.microsoft.com/office/drawing/2014/main" id="{07A8BCA9-CCD6-4662-A75A-29683674065D}"/>
               </a:ext>
             </a:extLst>
           </p:cNvPr>
@@ -2219,7 +2219,7 @@
           <p:cNvPr id="3" name="내용 개체 틀 2">
             <a:extLst>
               <a:ext uri="{FF2B5EF4-FFF2-40B4-BE49-F238E27FC236}">
-                <a16:creationId xmlns:a16="http://schemas.microsoft.com/office/drawing/2014/main" xmlns="" id="{2DB64179-D214-4078-BA5F-DFCB5B7AB550}"/>
+                <a16:creationId xmlns="" xmlns:a16="http://schemas.microsoft.com/office/drawing/2014/main" id="{2DB64179-D214-4078-BA5F-DFCB5B7AB550}"/>
               </a:ext>
             </a:extLst>
           </p:cNvPr>
@@ -2281,7 +2281,7 @@
           <p:cNvPr id="4" name="내용 개체 틀 3">
             <a:extLst>
               <a:ext uri="{FF2B5EF4-FFF2-40B4-BE49-F238E27FC236}">
-                <a16:creationId xmlns:a16="http://schemas.microsoft.com/office/drawing/2014/main" xmlns="" id="{B1779CDF-61C0-406A-811C-6499DEFD46BA}"/>
+                <a16:creationId xmlns="" xmlns:a16="http://schemas.microsoft.com/office/drawing/2014/main" id="{B1779CDF-61C0-406A-811C-6499DEFD46BA}"/>
               </a:ext>
             </a:extLst>
           </p:cNvPr>
@@ -2343,7 +2343,7 @@
           <p:cNvPr id="5" name="날짜 개체 틀 4">
             <a:extLst>
               <a:ext uri="{FF2B5EF4-FFF2-40B4-BE49-F238E27FC236}">
-                <a16:creationId xmlns:a16="http://schemas.microsoft.com/office/drawing/2014/main" xmlns="" id="{AE2950D3-3FB5-4335-966B-7606E35446D8}"/>
+                <a16:creationId xmlns="" xmlns:a16="http://schemas.microsoft.com/office/drawing/2014/main" id="{AE2950D3-3FB5-4335-966B-7606E35446D8}"/>
               </a:ext>
             </a:extLst>
           </p:cNvPr>
@@ -2368,7 +2368,7 @@
                 </a:solidFill>
               </a:rPr>
               <a:pPr/>
-              <a:t>2019-06-11</a:t>
+              <a:t>2019-06-12</a:t>
             </a:fld>
             <a:endParaRPr lang="ko-KR" altLang="en-US">
               <a:solidFill>
@@ -2385,7 +2385,7 @@
           <p:cNvPr id="6" name="바닥글 개체 틀 5">
             <a:extLst>
               <a:ext uri="{FF2B5EF4-FFF2-40B4-BE49-F238E27FC236}">
-                <a16:creationId xmlns:a16="http://schemas.microsoft.com/office/drawing/2014/main" xmlns="" id="{6EA6937B-7D55-49EA-B7A1-89529F5A35C3}"/>
+                <a16:creationId xmlns="" xmlns:a16="http://schemas.microsoft.com/office/drawing/2014/main" id="{6EA6937B-7D55-49EA-B7A1-89529F5A35C3}"/>
               </a:ext>
             </a:extLst>
           </p:cNvPr>
@@ -2416,7 +2416,7 @@
           <p:cNvPr id="7" name="슬라이드 번호 개체 틀 6">
             <a:extLst>
               <a:ext uri="{FF2B5EF4-FFF2-40B4-BE49-F238E27FC236}">
-                <a16:creationId xmlns:a16="http://schemas.microsoft.com/office/drawing/2014/main" xmlns="" id="{BB794612-C908-4F25-B9A3-09427AE34A52}"/>
+                <a16:creationId xmlns="" xmlns:a16="http://schemas.microsoft.com/office/drawing/2014/main" id="{BB794612-C908-4F25-B9A3-09427AE34A52}"/>
               </a:ext>
             </a:extLst>
           </p:cNvPr>
@@ -2488,7 +2488,7 @@
           <p:cNvPr id="2" name="제목 1">
             <a:extLst>
               <a:ext uri="{FF2B5EF4-FFF2-40B4-BE49-F238E27FC236}">
-                <a16:creationId xmlns:a16="http://schemas.microsoft.com/office/drawing/2014/main" xmlns="" id="{3F3C1362-BBA7-4D01-B788-14FDB950ECB7}"/>
+                <a16:creationId xmlns="" xmlns:a16="http://schemas.microsoft.com/office/drawing/2014/main" id="{3F3C1362-BBA7-4D01-B788-14FDB950ECB7}"/>
               </a:ext>
             </a:extLst>
           </p:cNvPr>
@@ -2521,7 +2521,7 @@
           <p:cNvPr id="3" name="텍스트 개체 틀 2">
             <a:extLst>
               <a:ext uri="{FF2B5EF4-FFF2-40B4-BE49-F238E27FC236}">
-                <a16:creationId xmlns:a16="http://schemas.microsoft.com/office/drawing/2014/main" xmlns="" id="{65AC57B0-4E1F-4D85-8918-3867A4BE7C4B}"/>
+                <a16:creationId xmlns="" xmlns:a16="http://schemas.microsoft.com/office/drawing/2014/main" id="{65AC57B0-4E1F-4D85-8918-3867A4BE7C4B}"/>
               </a:ext>
             </a:extLst>
           </p:cNvPr>
@@ -2592,7 +2592,7 @@
           <p:cNvPr id="4" name="내용 개체 틀 3">
             <a:extLst>
               <a:ext uri="{FF2B5EF4-FFF2-40B4-BE49-F238E27FC236}">
-                <a16:creationId xmlns:a16="http://schemas.microsoft.com/office/drawing/2014/main" xmlns="" id="{5E57D204-8AC0-4D04-AEF3-91D211206179}"/>
+                <a16:creationId xmlns="" xmlns:a16="http://schemas.microsoft.com/office/drawing/2014/main" id="{5E57D204-8AC0-4D04-AEF3-91D211206179}"/>
               </a:ext>
             </a:extLst>
           </p:cNvPr>
@@ -2654,7 +2654,7 @@
           <p:cNvPr id="5" name="텍스트 개체 틀 4">
             <a:extLst>
               <a:ext uri="{FF2B5EF4-FFF2-40B4-BE49-F238E27FC236}">
-                <a16:creationId xmlns:a16="http://schemas.microsoft.com/office/drawing/2014/main" xmlns="" id="{695EB064-60AB-4FE5-AF06-C9FE48BB4819}"/>
+                <a16:creationId xmlns="" xmlns:a16="http://schemas.microsoft.com/office/drawing/2014/main" id="{695EB064-60AB-4FE5-AF06-C9FE48BB4819}"/>
               </a:ext>
             </a:extLst>
           </p:cNvPr>
@@ -2725,7 +2725,7 @@
           <p:cNvPr id="6" name="내용 개체 틀 5">
             <a:extLst>
               <a:ext uri="{FF2B5EF4-FFF2-40B4-BE49-F238E27FC236}">
-                <a16:creationId xmlns:a16="http://schemas.microsoft.com/office/drawing/2014/main" xmlns="" id="{79DB6808-33C3-4B13-8365-0D85B8DDBE45}"/>
+                <a16:creationId xmlns="" xmlns:a16="http://schemas.microsoft.com/office/drawing/2014/main" id="{79DB6808-33C3-4B13-8365-0D85B8DDBE45}"/>
               </a:ext>
             </a:extLst>
           </p:cNvPr>
@@ -2787,7 +2787,7 @@
           <p:cNvPr id="7" name="날짜 개체 틀 6">
             <a:extLst>
               <a:ext uri="{FF2B5EF4-FFF2-40B4-BE49-F238E27FC236}">
-                <a16:creationId xmlns:a16="http://schemas.microsoft.com/office/drawing/2014/main" xmlns="" id="{9C2640C7-3844-4222-AC6F-AB4902A4DB44}"/>
+                <a16:creationId xmlns="" xmlns:a16="http://schemas.microsoft.com/office/drawing/2014/main" id="{9C2640C7-3844-4222-AC6F-AB4902A4DB44}"/>
               </a:ext>
             </a:extLst>
           </p:cNvPr>
@@ -2812,7 +2812,7 @@
                 </a:solidFill>
               </a:rPr>
               <a:pPr/>
-              <a:t>2019-06-11</a:t>
+              <a:t>2019-06-12</a:t>
             </a:fld>
             <a:endParaRPr lang="ko-KR" altLang="en-US">
               <a:solidFill>
@@ -2829,7 +2829,7 @@
           <p:cNvPr id="8" name="바닥글 개체 틀 7">
             <a:extLst>
               <a:ext uri="{FF2B5EF4-FFF2-40B4-BE49-F238E27FC236}">
-                <a16:creationId xmlns:a16="http://schemas.microsoft.com/office/drawing/2014/main" xmlns="" id="{61889AA5-8486-41FD-8413-A10122960217}"/>
+                <a16:creationId xmlns="" xmlns:a16="http://schemas.microsoft.com/office/drawing/2014/main" id="{61889AA5-8486-41FD-8413-A10122960217}"/>
               </a:ext>
             </a:extLst>
           </p:cNvPr>
@@ -2860,7 +2860,7 @@
           <p:cNvPr id="9" name="슬라이드 번호 개체 틀 8">
             <a:extLst>
               <a:ext uri="{FF2B5EF4-FFF2-40B4-BE49-F238E27FC236}">
-                <a16:creationId xmlns:a16="http://schemas.microsoft.com/office/drawing/2014/main" xmlns="" id="{72CBBB2D-B216-4BCD-8B81-731C681CF619}"/>
+                <a16:creationId xmlns="" xmlns:a16="http://schemas.microsoft.com/office/drawing/2014/main" id="{72CBBB2D-B216-4BCD-8B81-731C681CF619}"/>
               </a:ext>
             </a:extLst>
           </p:cNvPr>
@@ -2932,7 +2932,7 @@
           <p:cNvPr id="2" name="제목 1">
             <a:extLst>
               <a:ext uri="{FF2B5EF4-FFF2-40B4-BE49-F238E27FC236}">
-                <a16:creationId xmlns:a16="http://schemas.microsoft.com/office/drawing/2014/main" xmlns="" id="{86649871-FAAA-407D-9245-5C61A8E32E22}"/>
+                <a16:creationId xmlns="" xmlns:a16="http://schemas.microsoft.com/office/drawing/2014/main" id="{86649871-FAAA-407D-9245-5C61A8E32E22}"/>
               </a:ext>
             </a:extLst>
           </p:cNvPr>
@@ -2960,7 +2960,7 @@
           <p:cNvPr id="3" name="날짜 개체 틀 2">
             <a:extLst>
               <a:ext uri="{FF2B5EF4-FFF2-40B4-BE49-F238E27FC236}">
-                <a16:creationId xmlns:a16="http://schemas.microsoft.com/office/drawing/2014/main" xmlns="" id="{3A38A7DA-9D13-4BB7-ADE4-F35E84E3A879}"/>
+                <a16:creationId xmlns="" xmlns:a16="http://schemas.microsoft.com/office/drawing/2014/main" id="{3A38A7DA-9D13-4BB7-ADE4-F35E84E3A879}"/>
               </a:ext>
             </a:extLst>
           </p:cNvPr>
@@ -2985,7 +2985,7 @@
                 </a:solidFill>
               </a:rPr>
               <a:pPr/>
-              <a:t>2019-06-11</a:t>
+              <a:t>2019-06-12</a:t>
             </a:fld>
             <a:endParaRPr lang="ko-KR" altLang="en-US">
               <a:solidFill>
@@ -3002,7 +3002,7 @@
           <p:cNvPr id="4" name="바닥글 개체 틀 3">
             <a:extLst>
               <a:ext uri="{FF2B5EF4-FFF2-40B4-BE49-F238E27FC236}">
-                <a16:creationId xmlns:a16="http://schemas.microsoft.com/office/drawing/2014/main" xmlns="" id="{43FEE6E1-89D7-49AE-A816-C7B25C1D5069}"/>
+                <a16:creationId xmlns="" xmlns:a16="http://schemas.microsoft.com/office/drawing/2014/main" id="{43FEE6E1-89D7-49AE-A816-C7B25C1D5069}"/>
               </a:ext>
             </a:extLst>
           </p:cNvPr>
@@ -3033,7 +3033,7 @@
           <p:cNvPr id="5" name="슬라이드 번호 개체 틀 4">
             <a:extLst>
               <a:ext uri="{FF2B5EF4-FFF2-40B4-BE49-F238E27FC236}">
-                <a16:creationId xmlns:a16="http://schemas.microsoft.com/office/drawing/2014/main" xmlns="" id="{516B1AE1-FDC9-44CA-9C12-53013C082766}"/>
+                <a16:creationId xmlns="" xmlns:a16="http://schemas.microsoft.com/office/drawing/2014/main" id="{516B1AE1-FDC9-44CA-9C12-53013C082766}"/>
               </a:ext>
             </a:extLst>
           </p:cNvPr>
@@ -3105,7 +3105,7 @@
           <p:cNvPr id="2" name="날짜 개체 틀 1">
             <a:extLst>
               <a:ext uri="{FF2B5EF4-FFF2-40B4-BE49-F238E27FC236}">
-                <a16:creationId xmlns:a16="http://schemas.microsoft.com/office/drawing/2014/main" xmlns="" id="{275ACA46-7E3A-4F54-B5C7-2D501C8054EF}"/>
+                <a16:creationId xmlns="" xmlns:a16="http://schemas.microsoft.com/office/drawing/2014/main" id="{275ACA46-7E3A-4F54-B5C7-2D501C8054EF}"/>
               </a:ext>
             </a:extLst>
           </p:cNvPr>
@@ -3130,7 +3130,7 @@
                 </a:solidFill>
               </a:rPr>
               <a:pPr/>
-              <a:t>2019-06-11</a:t>
+              <a:t>2019-06-12</a:t>
             </a:fld>
             <a:endParaRPr lang="ko-KR" altLang="en-US">
               <a:solidFill>
@@ -3147,7 +3147,7 @@
           <p:cNvPr id="3" name="바닥글 개체 틀 2">
             <a:extLst>
               <a:ext uri="{FF2B5EF4-FFF2-40B4-BE49-F238E27FC236}">
-                <a16:creationId xmlns:a16="http://schemas.microsoft.com/office/drawing/2014/main" xmlns="" id="{3A6C4713-7972-4FE4-B6C4-CD4F252FD09F}"/>
+                <a16:creationId xmlns="" xmlns:a16="http://schemas.microsoft.com/office/drawing/2014/main" id="{3A6C4713-7972-4FE4-B6C4-CD4F252FD09F}"/>
               </a:ext>
             </a:extLst>
           </p:cNvPr>
@@ -3178,7 +3178,7 @@
           <p:cNvPr id="4" name="슬라이드 번호 개체 틀 3">
             <a:extLst>
               <a:ext uri="{FF2B5EF4-FFF2-40B4-BE49-F238E27FC236}">
-                <a16:creationId xmlns:a16="http://schemas.microsoft.com/office/drawing/2014/main" xmlns="" id="{7D64F96C-A2F1-409B-B68C-BE3C8992CC4D}"/>
+                <a16:creationId xmlns="" xmlns:a16="http://schemas.microsoft.com/office/drawing/2014/main" id="{7D64F96C-A2F1-409B-B68C-BE3C8992CC4D}"/>
               </a:ext>
             </a:extLst>
           </p:cNvPr>
@@ -3250,7 +3250,7 @@
           <p:cNvPr id="2" name="제목 1">
             <a:extLst>
               <a:ext uri="{FF2B5EF4-FFF2-40B4-BE49-F238E27FC236}">
-                <a16:creationId xmlns:a16="http://schemas.microsoft.com/office/drawing/2014/main" xmlns="" id="{C113D69A-09A1-4C99-B3A6-6FFAF00F0057}"/>
+                <a16:creationId xmlns="" xmlns:a16="http://schemas.microsoft.com/office/drawing/2014/main" id="{C113D69A-09A1-4C99-B3A6-6FFAF00F0057}"/>
               </a:ext>
             </a:extLst>
           </p:cNvPr>
@@ -3287,7 +3287,7 @@
           <p:cNvPr id="3" name="내용 개체 틀 2">
             <a:extLst>
               <a:ext uri="{FF2B5EF4-FFF2-40B4-BE49-F238E27FC236}">
-                <a16:creationId xmlns:a16="http://schemas.microsoft.com/office/drawing/2014/main" xmlns="" id="{EA0AD2F4-8A1D-4D48-B8E0-B0A9F378B44D}"/>
+                <a16:creationId xmlns="" xmlns:a16="http://schemas.microsoft.com/office/drawing/2014/main" id="{EA0AD2F4-8A1D-4D48-B8E0-B0A9F378B44D}"/>
               </a:ext>
             </a:extLst>
           </p:cNvPr>
@@ -3377,7 +3377,7 @@
           <p:cNvPr id="4" name="텍스트 개체 틀 3">
             <a:extLst>
               <a:ext uri="{FF2B5EF4-FFF2-40B4-BE49-F238E27FC236}">
-                <a16:creationId xmlns:a16="http://schemas.microsoft.com/office/drawing/2014/main" xmlns="" id="{1F2D0DD9-6BA7-496D-AB88-10339921C67C}"/>
+                <a16:creationId xmlns="" xmlns:a16="http://schemas.microsoft.com/office/drawing/2014/main" id="{1F2D0DD9-6BA7-496D-AB88-10339921C67C}"/>
               </a:ext>
             </a:extLst>
           </p:cNvPr>
@@ -3448,7 +3448,7 @@
           <p:cNvPr id="5" name="날짜 개체 틀 4">
             <a:extLst>
               <a:ext uri="{FF2B5EF4-FFF2-40B4-BE49-F238E27FC236}">
-                <a16:creationId xmlns:a16="http://schemas.microsoft.com/office/drawing/2014/main" xmlns="" id="{EE604958-49B0-4000-9AE8-1A82649DBB2B}"/>
+                <a16:creationId xmlns="" xmlns:a16="http://schemas.microsoft.com/office/drawing/2014/main" id="{EE604958-49B0-4000-9AE8-1A82649DBB2B}"/>
               </a:ext>
             </a:extLst>
           </p:cNvPr>
@@ -3473,7 +3473,7 @@
                 </a:solidFill>
               </a:rPr>
               <a:pPr/>
-              <a:t>2019-06-11</a:t>
+              <a:t>2019-06-12</a:t>
             </a:fld>
             <a:endParaRPr lang="ko-KR" altLang="en-US">
               <a:solidFill>
@@ -3490,7 +3490,7 @@
           <p:cNvPr id="6" name="바닥글 개체 틀 5">
             <a:extLst>
               <a:ext uri="{FF2B5EF4-FFF2-40B4-BE49-F238E27FC236}">
-                <a16:creationId xmlns:a16="http://schemas.microsoft.com/office/drawing/2014/main" xmlns="" id="{5A224506-57FE-4AE4-915B-1BCF662CF85C}"/>
+                <a16:creationId xmlns="" xmlns:a16="http://schemas.microsoft.com/office/drawing/2014/main" id="{5A224506-57FE-4AE4-915B-1BCF662CF85C}"/>
               </a:ext>
             </a:extLst>
           </p:cNvPr>
@@ -3521,7 +3521,7 @@
           <p:cNvPr id="7" name="슬라이드 번호 개체 틀 6">
             <a:extLst>
               <a:ext uri="{FF2B5EF4-FFF2-40B4-BE49-F238E27FC236}">
-                <a16:creationId xmlns:a16="http://schemas.microsoft.com/office/drawing/2014/main" xmlns="" id="{106D5D81-A0DA-465B-9DDB-DA44E7CFA71E}"/>
+                <a16:creationId xmlns="" xmlns:a16="http://schemas.microsoft.com/office/drawing/2014/main" id="{106D5D81-A0DA-465B-9DDB-DA44E7CFA71E}"/>
               </a:ext>
             </a:extLst>
           </p:cNvPr>
@@ -3593,7 +3593,7 @@
           <p:cNvPr id="2" name="제목 1">
             <a:extLst>
               <a:ext uri="{FF2B5EF4-FFF2-40B4-BE49-F238E27FC236}">
-                <a16:creationId xmlns:a16="http://schemas.microsoft.com/office/drawing/2014/main" xmlns="" id="{8BD983AA-0F4A-45E5-9631-DE95D37482BB}"/>
+                <a16:creationId xmlns="" xmlns:a16="http://schemas.microsoft.com/office/drawing/2014/main" id="{8BD983AA-0F4A-45E5-9631-DE95D37482BB}"/>
               </a:ext>
             </a:extLst>
           </p:cNvPr>
@@ -3630,7 +3630,7 @@
           <p:cNvPr id="3" name="그림 개체 틀 2">
             <a:extLst>
               <a:ext uri="{FF2B5EF4-FFF2-40B4-BE49-F238E27FC236}">
-                <a16:creationId xmlns:a16="http://schemas.microsoft.com/office/drawing/2014/main" xmlns="" id="{4E327D0E-1174-49F8-B6E6-ED9C4C24CCD7}"/>
+                <a16:creationId xmlns="" xmlns:a16="http://schemas.microsoft.com/office/drawing/2014/main" id="{4E327D0E-1174-49F8-B6E6-ED9C4C24CCD7}"/>
               </a:ext>
             </a:extLst>
           </p:cNvPr>
@@ -3697,7 +3697,7 @@
           <p:cNvPr id="4" name="텍스트 개체 틀 3">
             <a:extLst>
               <a:ext uri="{FF2B5EF4-FFF2-40B4-BE49-F238E27FC236}">
-                <a16:creationId xmlns:a16="http://schemas.microsoft.com/office/drawing/2014/main" xmlns="" id="{909C250D-0505-42BE-A5E8-7419DF44EF8A}"/>
+                <a16:creationId xmlns="" xmlns:a16="http://schemas.microsoft.com/office/drawing/2014/main" id="{909C250D-0505-42BE-A5E8-7419DF44EF8A}"/>
               </a:ext>
             </a:extLst>
           </p:cNvPr>
@@ -3768,7 +3768,7 @@
           <p:cNvPr id="5" name="날짜 개체 틀 4">
             <a:extLst>
               <a:ext uri="{FF2B5EF4-FFF2-40B4-BE49-F238E27FC236}">
-                <a16:creationId xmlns:a16="http://schemas.microsoft.com/office/drawing/2014/main" xmlns="" id="{1BEAFD8E-9839-4C72-8762-8562A91618C3}"/>
+                <a16:creationId xmlns="" xmlns:a16="http://schemas.microsoft.com/office/drawing/2014/main" id="{1BEAFD8E-9839-4C72-8762-8562A91618C3}"/>
               </a:ext>
             </a:extLst>
           </p:cNvPr>
@@ -3793,7 +3793,7 @@
                 </a:solidFill>
               </a:rPr>
               <a:pPr/>
-              <a:t>2019-06-11</a:t>
+              <a:t>2019-06-12</a:t>
             </a:fld>
             <a:endParaRPr lang="ko-KR" altLang="en-US">
               <a:solidFill>
@@ -3810,7 +3810,7 @@
           <p:cNvPr id="6" name="바닥글 개체 틀 5">
             <a:extLst>
               <a:ext uri="{FF2B5EF4-FFF2-40B4-BE49-F238E27FC236}">
-                <a16:creationId xmlns:a16="http://schemas.microsoft.com/office/drawing/2014/main" xmlns="" id="{9BFA4037-6B16-4DCF-B42A-04CA15059F48}"/>
+                <a16:creationId xmlns="" xmlns:a16="http://schemas.microsoft.com/office/drawing/2014/main" id="{9BFA4037-6B16-4DCF-B42A-04CA15059F48}"/>
               </a:ext>
             </a:extLst>
           </p:cNvPr>
@@ -3841,7 +3841,7 @@
           <p:cNvPr id="7" name="슬라이드 번호 개체 틀 6">
             <a:extLst>
               <a:ext uri="{FF2B5EF4-FFF2-40B4-BE49-F238E27FC236}">
-                <a16:creationId xmlns:a16="http://schemas.microsoft.com/office/drawing/2014/main" xmlns="" id="{F41A69A5-76C9-4317-9EA8-5195D125D9B5}"/>
+                <a16:creationId xmlns="" xmlns:a16="http://schemas.microsoft.com/office/drawing/2014/main" id="{F41A69A5-76C9-4317-9EA8-5195D125D9B5}"/>
               </a:ext>
             </a:extLst>
           </p:cNvPr>
@@ -3918,7 +3918,7 @@
           <p:cNvPr id="2" name="제목 개체 틀 1">
             <a:extLst>
               <a:ext uri="{FF2B5EF4-FFF2-40B4-BE49-F238E27FC236}">
-                <a16:creationId xmlns:a16="http://schemas.microsoft.com/office/drawing/2014/main" xmlns="" id="{E67ADECC-9799-4216-9862-AA5ADA4C89E7}"/>
+                <a16:creationId xmlns="" xmlns:a16="http://schemas.microsoft.com/office/drawing/2014/main" id="{E67ADECC-9799-4216-9862-AA5ADA4C89E7}"/>
               </a:ext>
             </a:extLst>
           </p:cNvPr>
@@ -3956,7 +3956,7 @@
           <p:cNvPr id="3" name="텍스트 개체 틀 2">
             <a:extLst>
               <a:ext uri="{FF2B5EF4-FFF2-40B4-BE49-F238E27FC236}">
-                <a16:creationId xmlns:a16="http://schemas.microsoft.com/office/drawing/2014/main" xmlns="" id="{247C8BE3-DBC3-496D-978E-EEAF27BD153D}"/>
+                <a16:creationId xmlns="" xmlns:a16="http://schemas.microsoft.com/office/drawing/2014/main" id="{247C8BE3-DBC3-496D-978E-EEAF27BD153D}"/>
               </a:ext>
             </a:extLst>
           </p:cNvPr>
@@ -4023,7 +4023,7 @@
           <p:cNvPr id="4" name="날짜 개체 틀 3">
             <a:extLst>
               <a:ext uri="{FF2B5EF4-FFF2-40B4-BE49-F238E27FC236}">
-                <a16:creationId xmlns:a16="http://schemas.microsoft.com/office/drawing/2014/main" xmlns="" id="{3EA01D7B-4D81-4C57-A818-0D2B635AD141}"/>
+                <a16:creationId xmlns="" xmlns:a16="http://schemas.microsoft.com/office/drawing/2014/main" id="{3EA01D7B-4D81-4C57-A818-0D2B635AD141}"/>
               </a:ext>
             </a:extLst>
           </p:cNvPr>
@@ -4066,7 +4066,7 @@
                 </a:solidFill>
               </a:rPr>
               <a:pPr/>
-              <a:t>2019-06-11</a:t>
+              <a:t>2019-06-12</a:t>
             </a:fld>
             <a:endParaRPr lang="ko-KR" altLang="en-US">
               <a:solidFill>
@@ -4083,7 +4083,7 @@
           <p:cNvPr id="5" name="바닥글 개체 틀 4">
             <a:extLst>
               <a:ext uri="{FF2B5EF4-FFF2-40B4-BE49-F238E27FC236}">
-                <a16:creationId xmlns:a16="http://schemas.microsoft.com/office/drawing/2014/main" xmlns="" id="{D5504206-C714-4A83-8AB2-390F6A4DB12B}"/>
+                <a16:creationId xmlns="" xmlns:a16="http://schemas.microsoft.com/office/drawing/2014/main" id="{D5504206-C714-4A83-8AB2-390F6A4DB12B}"/>
               </a:ext>
             </a:extLst>
           </p:cNvPr>
@@ -4132,7 +4132,7 @@
           <p:cNvPr id="6" name="슬라이드 번호 개체 틀 5">
             <a:extLst>
               <a:ext uri="{FF2B5EF4-FFF2-40B4-BE49-F238E27FC236}">
-                <a16:creationId xmlns:a16="http://schemas.microsoft.com/office/drawing/2014/main" xmlns="" id="{DC61C595-D0A5-4894-99F9-5A8A1E0099AF}"/>
+                <a16:creationId xmlns="" xmlns:a16="http://schemas.microsoft.com/office/drawing/2014/main" id="{DC61C595-D0A5-4894-99F9-5A8A1E0099AF}"/>
               </a:ext>
             </a:extLst>
           </p:cNvPr>
@@ -4520,7 +4520,7 @@
           <p:cNvPr id="4" name="직사각형 3">
             <a:extLst>
               <a:ext uri="{FF2B5EF4-FFF2-40B4-BE49-F238E27FC236}">
-                <a16:creationId xmlns:a16="http://schemas.microsoft.com/office/drawing/2014/main" xmlns="" id="{B3FBEB05-F38C-4D64-9C5E-3B054830B43D}"/>
+                <a16:creationId xmlns="" xmlns:a16="http://schemas.microsoft.com/office/drawing/2014/main" id="{B3FBEB05-F38C-4D64-9C5E-3B054830B43D}"/>
               </a:ext>
             </a:extLst>
           </p:cNvPr>
@@ -4565,7 +4565,7 @@
           <p:cNvPr id="5" name="직사각형 4">
             <a:extLst>
               <a:ext uri="{FF2B5EF4-FFF2-40B4-BE49-F238E27FC236}">
-                <a16:creationId xmlns:a16="http://schemas.microsoft.com/office/drawing/2014/main" xmlns="" id="{B3FBEB05-F38C-4D64-9C5E-3B054830B43D}"/>
+                <a16:creationId xmlns="" xmlns:a16="http://schemas.microsoft.com/office/drawing/2014/main" id="{B3FBEB05-F38C-4D64-9C5E-3B054830B43D}"/>
               </a:ext>
             </a:extLst>
           </p:cNvPr>
@@ -4780,7 +4780,7 @@
           <p:cNvPr id="15" name="직사각형 14">
             <a:extLst>
               <a:ext uri="{FF2B5EF4-FFF2-40B4-BE49-F238E27FC236}">
-                <a16:creationId xmlns:a16="http://schemas.microsoft.com/office/drawing/2014/main" xmlns="" id="{B97F4723-F2AF-4311-B9FE-0178E7FF5EAA}"/>
+                <a16:creationId xmlns="" xmlns:a16="http://schemas.microsoft.com/office/drawing/2014/main" id="{B97F4723-F2AF-4311-B9FE-0178E7FF5EAA}"/>
               </a:ext>
             </a:extLst>
           </p:cNvPr>
@@ -4880,7 +4880,7 @@
           <p:cNvPr id="1026" name="Picture 2" descr="ìí¼ë§ë¦¬ì¤ì ëí ì´ë¯¸ì§ ê²ìê²°ê³¼">
             <a:extLst>
               <a:ext uri="{FF2B5EF4-FFF2-40B4-BE49-F238E27FC236}">
-                <a16:creationId xmlns:a16="http://schemas.microsoft.com/office/drawing/2014/main" xmlns="" id="{ECFB76CF-B4C9-403C-A401-EAA9BB4B583B}"/>
+                <a16:creationId xmlns="" xmlns:a16="http://schemas.microsoft.com/office/drawing/2014/main" id="{ECFB76CF-B4C9-403C-A401-EAA9BB4B583B}"/>
               </a:ext>
             </a:extLst>
           </p:cNvPr>
@@ -5027,7 +5027,7 @@
           <p:cNvPr id="2" name="직사각형 1">
             <a:extLst>
               <a:ext uri="{FF2B5EF4-FFF2-40B4-BE49-F238E27FC236}">
-                <a16:creationId xmlns:a16="http://schemas.microsoft.com/office/drawing/2014/main" xmlns="" id="{907C2070-9C25-4D3F-BA57-E52921D3A177}"/>
+                <a16:creationId xmlns="" xmlns:a16="http://schemas.microsoft.com/office/drawing/2014/main" id="{907C2070-9C25-4D3F-BA57-E52921D3A177}"/>
               </a:ext>
             </a:extLst>
           </p:cNvPr>
@@ -5181,7 +5181,7 @@
           <p:cNvPr id="9" name="그림 8">
             <a:extLst>
               <a:ext uri="{FF2B5EF4-FFF2-40B4-BE49-F238E27FC236}">
-                <a16:creationId xmlns:a16="http://schemas.microsoft.com/office/drawing/2014/main" xmlns="" id="{80282BB6-EE56-47D0-8C32-8582685F33D1}"/>
+                <a16:creationId xmlns="" xmlns:a16="http://schemas.microsoft.com/office/drawing/2014/main" id="{80282BB6-EE56-47D0-8C32-8582685F33D1}"/>
               </a:ext>
             </a:extLst>
           </p:cNvPr>
@@ -5217,7 +5217,7 @@
           <p:cNvPr id="10" name="타원 9">
             <a:extLst>
               <a:ext uri="{FF2B5EF4-FFF2-40B4-BE49-F238E27FC236}">
-                <a16:creationId xmlns:a16="http://schemas.microsoft.com/office/drawing/2014/main" xmlns="" id="{5713EF4C-94C4-414B-8695-A107D59C486C}"/>
+                <a16:creationId xmlns="" xmlns:a16="http://schemas.microsoft.com/office/drawing/2014/main" id="{5713EF4C-94C4-414B-8695-A107D59C486C}"/>
               </a:ext>
             </a:extLst>
           </p:cNvPr>
@@ -5269,7 +5269,7 @@
           <p:cNvPr id="11" name="타원 10">
             <a:extLst>
               <a:ext uri="{FF2B5EF4-FFF2-40B4-BE49-F238E27FC236}">
-                <a16:creationId xmlns:a16="http://schemas.microsoft.com/office/drawing/2014/main" xmlns="" id="{42B79BAD-5403-4D08-9329-16D71A23B20E}"/>
+                <a16:creationId xmlns="" xmlns:a16="http://schemas.microsoft.com/office/drawing/2014/main" id="{42B79BAD-5403-4D08-9329-16D71A23B20E}"/>
               </a:ext>
             </a:extLst>
           </p:cNvPr>
@@ -5321,7 +5321,7 @@
           <p:cNvPr id="12" name="타원 11">
             <a:extLst>
               <a:ext uri="{FF2B5EF4-FFF2-40B4-BE49-F238E27FC236}">
-                <a16:creationId xmlns:a16="http://schemas.microsoft.com/office/drawing/2014/main" xmlns="" id="{9208476B-DD38-4C28-8ACF-6A66059F73C8}"/>
+                <a16:creationId xmlns="" xmlns:a16="http://schemas.microsoft.com/office/drawing/2014/main" id="{9208476B-DD38-4C28-8ACF-6A66059F73C8}"/>
               </a:ext>
             </a:extLst>
           </p:cNvPr>
@@ -5373,7 +5373,7 @@
           <p:cNvPr id="13" name="타원 12">
             <a:extLst>
               <a:ext uri="{FF2B5EF4-FFF2-40B4-BE49-F238E27FC236}">
-                <a16:creationId xmlns:a16="http://schemas.microsoft.com/office/drawing/2014/main" xmlns="" id="{69475ADB-2EE2-453F-9DB1-E231E3FF32AF}"/>
+                <a16:creationId xmlns="" xmlns:a16="http://schemas.microsoft.com/office/drawing/2014/main" id="{69475ADB-2EE2-453F-9DB1-E231E3FF32AF}"/>
               </a:ext>
             </a:extLst>
           </p:cNvPr>
@@ -5525,7 +5525,7 @@
           <p:cNvPr id="7" name="표 6">
             <a:extLst>
               <a:ext uri="{FF2B5EF4-FFF2-40B4-BE49-F238E27FC236}">
-                <a16:creationId xmlns:a16="http://schemas.microsoft.com/office/drawing/2014/main" xmlns="" id="{09281DB6-2438-4CAA-845A-DE7BDB870D9A}"/>
+                <a16:creationId xmlns="" xmlns:a16="http://schemas.microsoft.com/office/drawing/2014/main" id="{09281DB6-2438-4CAA-845A-DE7BDB870D9A}"/>
               </a:ext>
             </a:extLst>
           </p:cNvPr>
@@ -5535,14 +5535,14 @@
           <p:nvPr>
             <p:extLst>
               <p:ext uri="{D42A27DB-BD31-4B8C-83A1-F6EECF244321}">
-                <p14:modId xmlns:p14="http://schemas.microsoft.com/office/powerpoint/2010/main" val="1304164443"/>
+                <p14:modId xmlns:p14="http://schemas.microsoft.com/office/powerpoint/2010/main" val="706876619"/>
               </p:ext>
             </p:extLst>
           </p:nvPr>
         </p:nvGraphicFramePr>
         <p:xfrm>
           <a:off x="399701" y="1089129"/>
-          <a:ext cx="11392597" cy="5584999"/>
+          <a:ext cx="11392597" cy="6588691"/>
         </p:xfrm>
         <a:graphic>
           <a:graphicData uri="http://schemas.openxmlformats.org/drawingml/2006/table">
@@ -5554,28 +5554,28 @@
                 <a:gridCol w="1686981">
                   <a:extLst>
                     <a:ext uri="{9D8B030D-6E8A-4147-A177-3AD203B41FA5}">
-                      <a16:colId xmlns:a16="http://schemas.microsoft.com/office/drawing/2014/main" xmlns="" val="1390194816"/>
+                      <a16:colId xmlns="" xmlns:a16="http://schemas.microsoft.com/office/drawing/2014/main" val="1390194816"/>
                     </a:ext>
                   </a:extLst>
                 </a:gridCol>
                 <a:gridCol w="4009317">
                   <a:extLst>
                     <a:ext uri="{9D8B030D-6E8A-4147-A177-3AD203B41FA5}">
-                      <a16:colId xmlns:a16="http://schemas.microsoft.com/office/drawing/2014/main" xmlns="" val="874631158"/>
+                      <a16:colId xmlns="" xmlns:a16="http://schemas.microsoft.com/office/drawing/2014/main" val="874631158"/>
                     </a:ext>
                   </a:extLst>
                 </a:gridCol>
                 <a:gridCol w="4256315">
                   <a:extLst>
                     <a:ext uri="{9D8B030D-6E8A-4147-A177-3AD203B41FA5}">
-                      <a16:colId xmlns:a16="http://schemas.microsoft.com/office/drawing/2014/main" xmlns="" val="3367512888"/>
+                      <a16:colId xmlns="" xmlns:a16="http://schemas.microsoft.com/office/drawing/2014/main" val="3367512888"/>
                     </a:ext>
                   </a:extLst>
                 </a:gridCol>
                 <a:gridCol w="1439984">
                   <a:extLst>
                     <a:ext uri="{9D8B030D-6E8A-4147-A177-3AD203B41FA5}">
-                      <a16:colId xmlns:a16="http://schemas.microsoft.com/office/drawing/2014/main" xmlns="" val="3010816469"/>
+                      <a16:colId xmlns="" xmlns:a16="http://schemas.microsoft.com/office/drawing/2014/main" val="3010816469"/>
                     </a:ext>
                   </a:extLst>
                 </a:gridCol>
@@ -5640,7 +5640,7 @@
                 </a:tc>
                 <a:extLst>
                   <a:ext uri="{0D108BD9-81ED-4DB2-BD59-A6C34878D82A}">
-                    <a16:rowId xmlns:a16="http://schemas.microsoft.com/office/drawing/2014/main" xmlns="" val="111993170"/>
+                    <a16:rowId xmlns="" xmlns:a16="http://schemas.microsoft.com/office/drawing/2014/main" val="111993170"/>
                   </a:ext>
                 </a:extLst>
               </a:tr>
@@ -5751,7 +5751,7 @@
                 </a:tc>
                 <a:extLst>
                   <a:ext uri="{0D108BD9-81ED-4DB2-BD59-A6C34878D82A}">
-                    <a16:rowId xmlns:a16="http://schemas.microsoft.com/office/drawing/2014/main" xmlns="" val="828644143"/>
+                    <a16:rowId xmlns="" xmlns:a16="http://schemas.microsoft.com/office/drawing/2014/main" val="828644143"/>
                   </a:ext>
                 </a:extLst>
               </a:tr>
@@ -5932,7 +5932,7 @@
                 </a:tc>
                 <a:extLst>
                   <a:ext uri="{0D108BD9-81ED-4DB2-BD59-A6C34878D82A}">
-                    <a16:rowId xmlns:a16="http://schemas.microsoft.com/office/drawing/2014/main" xmlns="" val="2133961777"/>
+                    <a16:rowId xmlns="" xmlns:a16="http://schemas.microsoft.com/office/drawing/2014/main" val="2133961777"/>
                   </a:ext>
                 </a:extLst>
               </a:tr>
@@ -6029,7 +6029,7 @@
                 </a:tc>
                 <a:extLst>
                   <a:ext uri="{0D108BD9-81ED-4DB2-BD59-A6C34878D82A}">
-                    <a16:rowId xmlns:a16="http://schemas.microsoft.com/office/drawing/2014/main" xmlns="" val="2951018168"/>
+                    <a16:rowId xmlns="" xmlns:a16="http://schemas.microsoft.com/office/drawing/2014/main" val="2951018168"/>
                   </a:ext>
                 </a:extLst>
               </a:tr>
@@ -6103,12 +6103,12 @@
                     <a:p>
                       <a:pPr latinLnBrk="1"/>
                       <a:r>
-                        <a:rPr lang="en-US" altLang="ko-KR" sz="2400" dirty="0"/>
-                        <a:t>1</a:t>
-                      </a:r>
-                      <a:r>
-                        <a:rPr lang="ko-KR" altLang="en-US" sz="2400" dirty="0"/>
-                        <a:t>스테이지 </a:t>
+                        <a:rPr lang="en-US" altLang="ko-KR" sz="2400" dirty="0" smtClean="0"/>
+                        <a:t>2</a:t>
+                      </a:r>
+                      <a:r>
+                        <a:rPr lang="ko-KR" altLang="en-US" sz="2400" dirty="0" smtClean="0"/>
+                        <a:t>개 스테이지 </a:t>
                       </a:r>
                       <a:r>
                         <a:rPr lang="ko-KR" altLang="en-US" sz="2400" dirty="0" smtClean="0"/>
@@ -6141,6 +6141,13 @@
                       <a:r>
                         <a:rPr lang="en-US" altLang="ko-KR" sz="2400" dirty="0" smtClean="0"/>
                         <a:t>)</a:t>
+                      </a:r>
+                    </a:p>
+                    <a:p>
+                      <a:pPr latinLnBrk="1"/>
+                      <a:r>
+                        <a:rPr lang="ko-KR" altLang="en-US" sz="2400" dirty="0" smtClean="0"/>
+                        <a:t>내용부실</a:t>
                       </a:r>
                       <a:endParaRPr lang="ko-KR" altLang="en-US" sz="2400" dirty="0" smtClean="0"/>
                     </a:p>
@@ -6153,6 +6160,10 @@
                     <a:lstStyle/>
                     <a:p>
                       <a:pPr algn="ctr" latinLnBrk="1"/>
+                      <a:r>
+                        <a:rPr lang="en-US" altLang="ko-KR" sz="2400" dirty="0" smtClean="0"/>
+                        <a:t>80%</a:t>
+                      </a:r>
                       <a:endParaRPr lang="ko-KR" altLang="en-US" sz="2400" dirty="0"/>
                     </a:p>
                   </a:txBody>
@@ -6160,7 +6171,7 @@
                 </a:tc>
                 <a:extLst>
                   <a:ext uri="{0D108BD9-81ED-4DB2-BD59-A6C34878D82A}">
-                    <a16:rowId xmlns:a16="http://schemas.microsoft.com/office/drawing/2014/main" xmlns="" val="3031317019"/>
+                    <a16:rowId xmlns="" xmlns:a16="http://schemas.microsoft.com/office/drawing/2014/main" val="3031317019"/>
                   </a:ext>
                 </a:extLst>
               </a:tr>
@@ -6185,6 +6196,65 @@
                     <a:lstStyle/>
                     <a:p>
                       <a:pPr latinLnBrk="1"/>
+                      <a:r>
+                        <a:rPr lang="ko-KR" altLang="en-US" sz="2400" dirty="0" smtClean="0"/>
+                        <a:t>슈퍼버섯</a:t>
+                      </a:r>
+                      <a:r>
+                        <a:rPr lang="en-US" altLang="ko-KR" sz="2400" dirty="0" smtClean="0"/>
+                        <a:t>, </a:t>
+                      </a:r>
+                      <a:r>
+                        <a:rPr lang="ko-KR" altLang="en-US" sz="2400" dirty="0" err="1" smtClean="0"/>
+                        <a:t>쿠파</a:t>
+                      </a:r>
+                      <a:r>
+                        <a:rPr lang="ko-KR" altLang="en-US" sz="2400" dirty="0" smtClean="0"/>
+                        <a:t> 불</a:t>
+                      </a:r>
+                      <a:r>
+                        <a:rPr lang="en-US" altLang="ko-KR" sz="2400" dirty="0" smtClean="0"/>
+                        <a:t>, </a:t>
+                      </a:r>
+                      <a:r>
+                        <a:rPr lang="ko-KR" altLang="en-US" sz="2400" dirty="0" smtClean="0"/>
+                        <a:t>아이템 박스</a:t>
+                      </a:r>
+                      <a:r>
+                        <a:rPr lang="en-US" altLang="ko-KR" sz="2400" dirty="0" smtClean="0"/>
+                        <a:t>, </a:t>
+                      </a:r>
+                      <a:r>
+                        <a:rPr lang="ko-KR" altLang="en-US" sz="2400" dirty="0" smtClean="0"/>
+                        <a:t>코인</a:t>
+                      </a:r>
+                      <a:r>
+                        <a:rPr lang="en-US" altLang="ko-KR" sz="2400" dirty="0" smtClean="0"/>
+                        <a:t>,</a:t>
+                      </a:r>
+                      <a:r>
+                        <a:rPr lang="en-US" altLang="ko-KR" sz="2400" baseline="0" dirty="0" smtClean="0"/>
+                        <a:t> </a:t>
+                      </a:r>
+                      <a:r>
+                        <a:rPr lang="ko-KR" altLang="en-US" sz="2400" baseline="0" dirty="0" err="1" smtClean="0"/>
+                        <a:t>파이어플라워</a:t>
+                      </a:r>
+                      <a:r>
+                        <a:rPr lang="en-US" altLang="ko-KR" sz="2400" baseline="0" dirty="0" smtClean="0"/>
+                        <a:t>,</a:t>
+                      </a:r>
+                    </a:p>
+                    <a:p>
+                      <a:pPr latinLnBrk="1"/>
+                      <a:r>
+                        <a:rPr lang="ko-KR" altLang="en-US" sz="2400" dirty="0" smtClean="0"/>
+                        <a:t>부서지는 </a:t>
+                      </a:r>
+                      <a:r>
+                        <a:rPr lang="ko-KR" altLang="en-US" sz="2400" dirty="0" err="1" smtClean="0"/>
+                        <a:t>블럭</a:t>
+                      </a:r>
                       <a:endParaRPr lang="ko-KR" altLang="en-US" sz="2400" dirty="0"/>
                     </a:p>
                   </a:txBody>
@@ -6196,6 +6266,38 @@
                     <a:lstStyle/>
                     <a:p>
                       <a:pPr latinLnBrk="1"/>
+                      <a:r>
+                        <a:rPr lang="ko-KR" altLang="en-US" sz="2400" dirty="0" smtClean="0"/>
+                        <a:t>슈퍼버섯</a:t>
+                      </a:r>
+                      <a:r>
+                        <a:rPr lang="en-US" altLang="ko-KR" sz="2400" dirty="0" smtClean="0"/>
+                        <a:t>, </a:t>
+                      </a:r>
+                      <a:r>
+                        <a:rPr lang="ko-KR" altLang="en-US" sz="2400" dirty="0" err="1" smtClean="0"/>
+                        <a:t>쿠파</a:t>
+                      </a:r>
+                      <a:r>
+                        <a:rPr lang="ko-KR" altLang="en-US" sz="2400" dirty="0" smtClean="0"/>
+                        <a:t> 불</a:t>
+                      </a:r>
+                      <a:r>
+                        <a:rPr lang="en-US" altLang="ko-KR" sz="2400" dirty="0" smtClean="0"/>
+                        <a:t>, </a:t>
+                      </a:r>
+                      <a:r>
+                        <a:rPr lang="ko-KR" altLang="en-US" sz="2400" dirty="0" smtClean="0"/>
+                        <a:t>아이템 박스</a:t>
+                      </a:r>
+                      <a:r>
+                        <a:rPr lang="en-US" altLang="ko-KR" sz="2400" dirty="0" smtClean="0"/>
+                        <a:t>, </a:t>
+                      </a:r>
+                      <a:r>
+                        <a:rPr lang="ko-KR" altLang="en-US" sz="2400" dirty="0" smtClean="0"/>
+                        <a:t>코인</a:t>
+                      </a:r>
                       <a:endParaRPr lang="ko-KR" altLang="en-US" sz="2400" dirty="0"/>
                     </a:p>
                   </a:txBody>
@@ -6207,6 +6309,10 @@
                     <a:lstStyle/>
                     <a:p>
                       <a:pPr algn="ctr" latinLnBrk="1"/>
+                      <a:r>
+                        <a:rPr lang="en-US" altLang="ko-KR" sz="2400" dirty="0" smtClean="0"/>
+                        <a:t>60%</a:t>
+                      </a:r>
                       <a:endParaRPr lang="ko-KR" altLang="en-US" sz="2400" dirty="0"/>
                     </a:p>
                   </a:txBody>
@@ -6214,7 +6320,7 @@
                 </a:tc>
                 <a:extLst>
                   <a:ext uri="{0D108BD9-81ED-4DB2-BD59-A6C34878D82A}">
-                    <a16:rowId xmlns:a16="http://schemas.microsoft.com/office/drawing/2014/main" xmlns="" val="4255869271"/>
+                    <a16:rowId xmlns="" xmlns:a16="http://schemas.microsoft.com/office/drawing/2014/main" val="4255869271"/>
                   </a:ext>
                 </a:extLst>
               </a:tr>
@@ -6285,7 +6391,47 @@
                     <a:lstStyle/>
                     <a:p>
                       <a:pPr latinLnBrk="1"/>
-                      <a:endParaRPr lang="ko-KR" altLang="en-US" sz="2400"/>
+                      <a:r>
+                        <a:rPr lang="ko-KR" altLang="en-US" sz="2400" dirty="0" err="1" smtClean="0"/>
+                        <a:t>스테이지별</a:t>
+                      </a:r>
+                      <a:r>
+                        <a:rPr lang="ko-KR" altLang="en-US" sz="2400" dirty="0" smtClean="0"/>
+                        <a:t> 배경음악</a:t>
+                      </a:r>
+                      <a:r>
+                        <a:rPr lang="en-US" altLang="ko-KR" sz="2400" dirty="0" smtClean="0"/>
+                        <a:t>+ </a:t>
+                      </a:r>
+                      <a:r>
+                        <a:rPr lang="ko-KR" altLang="en-US" sz="2400" dirty="0" err="1" smtClean="0"/>
+                        <a:t>클리어</a:t>
+                      </a:r>
+                      <a:r>
+                        <a:rPr lang="ko-KR" altLang="en-US" sz="2400" dirty="0" smtClean="0"/>
+                        <a:t> 음악</a:t>
+                      </a:r>
+                      <a:r>
+                        <a:rPr lang="en-US" altLang="ko-KR" sz="2400" dirty="0" smtClean="0"/>
+                        <a:t>, </a:t>
+                      </a:r>
+                      <a:r>
+                        <a:rPr lang="ko-KR" altLang="en-US" sz="2400" dirty="0" smtClean="0"/>
+                        <a:t>점프</a:t>
+                      </a:r>
+                      <a:r>
+                        <a:rPr lang="en-US" altLang="ko-KR" sz="2400" dirty="0" smtClean="0"/>
+                        <a:t>, </a:t>
+                      </a:r>
+                      <a:r>
+                        <a:rPr lang="ko-KR" altLang="en-US" sz="2400" dirty="0" err="1" smtClean="0"/>
+                        <a:t>밟힐때</a:t>
+                      </a:r>
+                      <a:r>
+                        <a:rPr lang="ko-KR" altLang="en-US" sz="2400" dirty="0" smtClean="0"/>
+                        <a:t> 효과음</a:t>
+                      </a:r>
+                      <a:endParaRPr lang="ko-KR" altLang="en-US" sz="2400" dirty="0"/>
                     </a:p>
                   </a:txBody>
                   <a:tcPr anchor="ctr"/>
@@ -6296,6 +6442,10 @@
                     <a:lstStyle/>
                     <a:p>
                       <a:pPr algn="ctr" latinLnBrk="1"/>
+                      <a:r>
+                        <a:rPr lang="en-US" altLang="ko-KR" sz="2400" dirty="0" smtClean="0"/>
+                        <a:t>80%</a:t>
+                      </a:r>
                       <a:endParaRPr lang="ko-KR" altLang="en-US" sz="2400" dirty="0"/>
                     </a:p>
                   </a:txBody>
@@ -6303,7 +6453,7 @@
                 </a:tc>
                 <a:extLst>
                   <a:ext uri="{0D108BD9-81ED-4DB2-BD59-A6C34878D82A}">
-                    <a16:rowId xmlns:a16="http://schemas.microsoft.com/office/drawing/2014/main" xmlns="" val="3339157201"/>
+                    <a16:rowId xmlns="" xmlns:a16="http://schemas.microsoft.com/office/drawing/2014/main" val="3339157201"/>
                   </a:ext>
                 </a:extLst>
               </a:tr>
@@ -8162,52 +8312,6 @@
       </p:sp>
       <p:sp>
         <p:nvSpPr>
-          <p:cNvPr id="36" name="왼쪽/오른쪽 화살표 35"/>
-          <p:cNvSpPr/>
-          <p:nvPr/>
-        </p:nvSpPr>
-        <p:spPr>
-          <a:xfrm>
-            <a:off x="3553697" y="3274628"/>
-            <a:ext cx="4259304" cy="395704"/>
-          </a:xfrm>
-          <a:prstGeom prst="leftRightArrow">
-            <a:avLst>
-              <a:gd name="adj1" fmla="val 53643"/>
-              <a:gd name="adj2" fmla="val 35438"/>
-            </a:avLst>
-          </a:prstGeom>
-          <a:solidFill>
-            <a:srgbClr val="DE9D7C"/>
-          </a:solidFill>
-        </p:spPr>
-        <p:style>
-          <a:lnRef idx="2">
-            <a:schemeClr val="accent1">
-              <a:shade val="50000"/>
-            </a:schemeClr>
-          </a:lnRef>
-          <a:fillRef idx="1">
-            <a:schemeClr val="accent1"/>
-          </a:fillRef>
-          <a:effectRef idx="0">
-            <a:schemeClr val="accent1"/>
-          </a:effectRef>
-          <a:fontRef idx="minor">
-            <a:schemeClr val="lt1"/>
-          </a:fontRef>
-        </p:style>
-        <p:txBody>
-          <a:bodyPr rtlCol="0" anchor="ctr"/>
-          <a:lstStyle/>
-          <a:p>
-            <a:pPr algn="ctr"/>
-            <a:endParaRPr lang="ko-KR" altLang="en-US"/>
-          </a:p>
-        </p:txBody>
-      </p:sp>
-      <p:sp>
-        <p:nvSpPr>
           <p:cNvPr id="37" name="위로 굽은 화살표 36"/>
           <p:cNvSpPr/>
           <p:nvPr/>
@@ -8260,6 +8364,52 @@
           <a:prstGeom prst="bentUpArrow">
             <a:avLst/>
           </a:prstGeom>
+        </p:spPr>
+        <p:style>
+          <a:lnRef idx="2">
+            <a:schemeClr val="accent1">
+              <a:shade val="50000"/>
+            </a:schemeClr>
+          </a:lnRef>
+          <a:fillRef idx="1">
+            <a:schemeClr val="accent1"/>
+          </a:fillRef>
+          <a:effectRef idx="0">
+            <a:schemeClr val="accent1"/>
+          </a:effectRef>
+          <a:fontRef idx="minor">
+            <a:schemeClr val="lt1"/>
+          </a:fontRef>
+        </p:style>
+        <p:txBody>
+          <a:bodyPr rtlCol="0" anchor="ctr"/>
+          <a:lstStyle/>
+          <a:p>
+            <a:pPr algn="ctr"/>
+            <a:endParaRPr lang="ko-KR" altLang="en-US"/>
+          </a:p>
+        </p:txBody>
+      </p:sp>
+      <p:sp>
+        <p:nvSpPr>
+          <p:cNvPr id="19" name="아래쪽 화살표 18"/>
+          <p:cNvSpPr/>
+          <p:nvPr/>
+        </p:nvSpPr>
+        <p:spPr>
+          <a:xfrm rot="16200000">
+            <a:off x="5500443" y="1482274"/>
+            <a:ext cx="513716" cy="4001691"/>
+          </a:xfrm>
+          <a:prstGeom prst="downArrow">
+            <a:avLst/>
+          </a:prstGeom>
+          <a:solidFill>
+            <a:schemeClr val="accent2">
+              <a:lumMod val="60000"/>
+              <a:lumOff val="40000"/>
+            </a:schemeClr>
+          </a:solidFill>
         </p:spPr>
         <p:style>
           <a:lnRef idx="2">
@@ -8491,17 +8641,7 @@
                             </a:schemeClr>
                           </a:solidFill>
                         </a:rPr>
-                        <a:t>Week of </a:t>
-                      </a:r>
-                      <a:r>
-                        <a:rPr lang="en-US" altLang="ko-KR" sz="2800" dirty="0" smtClean="0">
-                          <a:solidFill>
-                            <a:schemeClr val="bg1">
-                              <a:lumMod val="10000"/>
-                            </a:schemeClr>
-                          </a:solidFill>
-                        </a:rPr>
-                        <a:t>may 12</a:t>
+                        <a:t>Week of may 12</a:t>
                       </a:r>
                       <a:endParaRPr lang="ko-KR" altLang="en-US" sz="2800" b="1" dirty="0" smtClean="0">
                         <a:solidFill>
@@ -9250,7 +9390,7 @@
   <a:extraClrSchemeLst/>
   <a:extLst>
     <a:ext uri="{05A4C25C-085E-4340-85A3-A5531E510DB2}">
-      <thm15:themeFamily xmlns:thm15="http://schemas.microsoft.com/office/thememl/2012/main" xmlns="" name="Office Theme" id="{62F939B6-93AF-4DB8-9C6B-D6C7DFDC589F}" vid="{4A3C46E8-61CC-4603-A589-7422A47A8E4A}"/>
+      <thm15:themeFamily xmlns="" xmlns:thm15="http://schemas.microsoft.com/office/thememl/2012/main" name="Office Theme" id="{62F939B6-93AF-4DB8-9C6B-D6C7DFDC589F}" vid="{4A3C46E8-61CC-4603-A589-7422A47A8E4A}"/>
     </a:ext>
   </a:extLst>
 </a:theme>
